--- a/submissions/slides/株価予測(プレゼン資料).pptx
+++ b/submissions/slides/株価予測(プレゼン資料).pptx
@@ -118,6 +118,11 @@
       </a:defRPr>
     </a:lvl9pPr>
   </p:defaultTextStyle>
+  <p:extLst>
+    <p:ext uri="{EFAFB233-063F-42B5-8137-9DF3F51BA10A}">
+      <p15:sldGuideLst xmlns:p15="http://schemas.microsoft.com/office/powerpoint/2012/main"/>
+    </p:ext>
+  </p:extLst>
 </p:presentation>
 </file>
 
@@ -203,7 +208,7 @@
           <a:p>
             <a:fld id="{89651599-CFE7-412C-B427-34C8D96E90C2}" type="datetimeFigureOut">
               <a:rPr kumimoji="1" lang="ja-JP" altLang="en-US" smtClean="0"/>
-              <a:t>2024/8/25</a:t>
+              <a:t>2024/8/30</a:t>
             </a:fld>
             <a:endParaRPr kumimoji="1" lang="ja-JP" altLang="en-US"/>
           </a:p>
@@ -874,7 +879,7 @@
           <a:p>
             <a:fld id="{8EA12470-8CD2-4942-8D8C-B0593DE41516}" type="datetimeFigureOut">
               <a:rPr kumimoji="1" lang="ja-JP" altLang="en-US" smtClean="0"/>
-              <a:t>2024/8/25</a:t>
+              <a:t>2024/8/30</a:t>
             </a:fld>
             <a:endParaRPr kumimoji="1" lang="ja-JP" altLang="en-US"/>
           </a:p>
@@ -1104,7 +1109,7 @@
           <a:p>
             <a:fld id="{8EA12470-8CD2-4942-8D8C-B0593DE41516}" type="datetimeFigureOut">
               <a:rPr kumimoji="1" lang="ja-JP" altLang="en-US" smtClean="0"/>
-              <a:t>2024/8/25</a:t>
+              <a:t>2024/8/30</a:t>
             </a:fld>
             <a:endParaRPr kumimoji="1" lang="ja-JP" altLang="en-US"/>
           </a:p>
@@ -1344,7 +1349,7 @@
           <a:p>
             <a:fld id="{8EA12470-8CD2-4942-8D8C-B0593DE41516}" type="datetimeFigureOut">
               <a:rPr kumimoji="1" lang="ja-JP" altLang="en-US" smtClean="0"/>
-              <a:t>2024/8/25</a:t>
+              <a:t>2024/8/30</a:t>
             </a:fld>
             <a:endParaRPr kumimoji="1" lang="ja-JP" altLang="en-US"/>
           </a:p>
@@ -1620,7 +1625,7 @@
           <a:p>
             <a:fld id="{8EA12470-8CD2-4942-8D8C-B0593DE41516}" type="datetimeFigureOut">
               <a:rPr kumimoji="1" lang="ja-JP" altLang="en-US" smtClean="0"/>
-              <a:t>2024/8/25</a:t>
+              <a:t>2024/8/30</a:t>
             </a:fld>
             <a:endParaRPr kumimoji="1" lang="ja-JP" altLang="en-US"/>
           </a:p>
@@ -1941,7 +1946,7 @@
           <a:p>
             <a:fld id="{8EA12470-8CD2-4942-8D8C-B0593DE41516}" type="datetimeFigureOut">
               <a:rPr kumimoji="1" lang="ja-JP" altLang="en-US" smtClean="0"/>
-              <a:t>2024/8/25</a:t>
+              <a:t>2024/8/30</a:t>
             </a:fld>
             <a:endParaRPr kumimoji="1" lang="ja-JP" altLang="en-US"/>
           </a:p>
@@ -2316,7 +2321,7 @@
           <a:p>
             <a:fld id="{8EA12470-8CD2-4942-8D8C-B0593DE41516}" type="datetimeFigureOut">
               <a:rPr kumimoji="1" lang="ja-JP" altLang="en-US" smtClean="0"/>
-              <a:t>2024/8/25</a:t>
+              <a:t>2024/8/30</a:t>
             </a:fld>
             <a:endParaRPr kumimoji="1" lang="ja-JP" altLang="en-US"/>
           </a:p>
@@ -2838,7 +2843,7 @@
           <a:p>
             <a:fld id="{8EA12470-8CD2-4942-8D8C-B0593DE41516}" type="datetimeFigureOut">
               <a:rPr kumimoji="1" lang="ja-JP" altLang="en-US" smtClean="0"/>
-              <a:t>2024/8/25</a:t>
+              <a:t>2024/8/30</a:t>
             </a:fld>
             <a:endParaRPr kumimoji="1" lang="ja-JP" altLang="en-US"/>
           </a:p>
@@ -3025,7 +3030,7 @@
           <a:p>
             <a:fld id="{8EA12470-8CD2-4942-8D8C-B0593DE41516}" type="datetimeFigureOut">
               <a:rPr kumimoji="1" lang="ja-JP" altLang="en-US" smtClean="0"/>
-              <a:t>2024/8/25</a:t>
+              <a:t>2024/8/30</a:t>
             </a:fld>
             <a:endParaRPr kumimoji="1" lang="ja-JP" altLang="en-US"/>
           </a:p>
@@ -3138,7 +3143,7 @@
           <a:p>
             <a:fld id="{8EA12470-8CD2-4942-8D8C-B0593DE41516}" type="datetimeFigureOut">
               <a:rPr kumimoji="1" lang="ja-JP" altLang="en-US" smtClean="0"/>
-              <a:t>2024/8/25</a:t>
+              <a:t>2024/8/30</a:t>
             </a:fld>
             <a:endParaRPr kumimoji="1" lang="ja-JP" altLang="en-US"/>
           </a:p>
@@ -3481,7 +3486,7 @@
           <a:p>
             <a:fld id="{8EA12470-8CD2-4942-8D8C-B0593DE41516}" type="datetimeFigureOut">
               <a:rPr kumimoji="1" lang="ja-JP" altLang="en-US" smtClean="0"/>
-              <a:t>2024/8/25</a:t>
+              <a:t>2024/8/30</a:t>
             </a:fld>
             <a:endParaRPr kumimoji="1" lang="ja-JP" altLang="en-US"/>
           </a:p>
@@ -3769,7 +3774,7 @@
           <a:p>
             <a:fld id="{8EA12470-8CD2-4942-8D8C-B0593DE41516}" type="datetimeFigureOut">
               <a:rPr kumimoji="1" lang="ja-JP" altLang="en-US" smtClean="0"/>
-              <a:t>2024/8/25</a:t>
+              <a:t>2024/8/30</a:t>
             </a:fld>
             <a:endParaRPr kumimoji="1" lang="ja-JP" altLang="en-US"/>
           </a:p>
@@ -4094,7 +4099,7 @@
           <a:p>
             <a:fld id="{8EA12470-8CD2-4942-8D8C-B0593DE41516}" type="datetimeFigureOut">
               <a:rPr kumimoji="1" lang="ja-JP" altLang="en-US" smtClean="0"/>
-              <a:t>2024/8/25</a:t>
+              <a:t>2024/8/30</a:t>
             </a:fld>
             <a:endParaRPr kumimoji="1" lang="ja-JP" altLang="en-US"/>
           </a:p>
@@ -4760,8 +4765,8 @@
         </p:blipFill>
         <p:spPr>
           <a:xfrm>
-            <a:off x="5985834" y="1690688"/>
-            <a:ext cx="5727203" cy="4307341"/>
+            <a:off x="424543" y="1721726"/>
+            <a:ext cx="5671457" cy="4265416"/>
           </a:xfrm>
           <a:prstGeom prst="rect">
             <a:avLst/>
@@ -4782,7 +4787,7 @@
         </p:nvSpPr>
         <p:spPr>
           <a:xfrm>
-            <a:off x="424543" y="1757822"/>
+            <a:off x="6379029" y="1782637"/>
             <a:ext cx="5257800" cy="1015663"/>
           </a:xfrm>
           <a:prstGeom prst="rect">
@@ -4824,7 +4829,7 @@
         </p:nvSpPr>
         <p:spPr>
           <a:xfrm>
-            <a:off x="478963" y="2890250"/>
+            <a:off x="6379029" y="2890249"/>
             <a:ext cx="5506871" cy="1908215"/>
           </a:xfrm>
           <a:prstGeom prst="rect">
@@ -4905,7 +4910,7 @@
         </p:nvSpPr>
         <p:spPr>
           <a:xfrm>
-            <a:off x="838200" y="5100178"/>
+            <a:off x="6455229" y="4890413"/>
             <a:ext cx="4430486" cy="830997"/>
           </a:xfrm>
           <a:prstGeom prst="rect">
@@ -4924,6 +4929,49 @@
               <a:t>トレンドや季節性はある程度学習できていると考える</a:t>
             </a:r>
             <a:endParaRPr kumimoji="1" lang="ja-JP" altLang="en-US" sz="2400" b="1" dirty="0"/>
+          </a:p>
+        </p:txBody>
+      </p:sp>
+      <p:sp>
+        <p:nvSpPr>
+          <p:cNvPr id="3" name="テキスト ボックス 2">
+            <a:extLst>
+              <a:ext uri="{FF2B5EF4-FFF2-40B4-BE49-F238E27FC236}">
+                <a16:creationId xmlns:a16="http://schemas.microsoft.com/office/drawing/2014/main" id="{CBB44A93-7E59-159C-8C13-B0E7117975F8}"/>
+              </a:ext>
+            </a:extLst>
+          </p:cNvPr>
+          <p:cNvSpPr txBox="1"/>
+          <p:nvPr/>
+        </p:nvSpPr>
+        <p:spPr>
+          <a:xfrm>
+            <a:off x="424543" y="5987142"/>
+            <a:ext cx="5509489" cy="369332"/>
+          </a:xfrm>
+          <a:prstGeom prst="rect">
+            <a:avLst/>
+          </a:prstGeom>
+          <a:noFill/>
+        </p:spPr>
+        <p:txBody>
+          <a:bodyPr wrap="square" rtlCol="0">
+            <a:spAutoFit/>
+          </a:bodyPr>
+          <a:lstStyle/>
+          <a:p>
+            <a:r>
+              <a:rPr kumimoji="1" lang="ja-JP" altLang="en-US" dirty="0"/>
+              <a:t>最終モデルの</a:t>
+            </a:r>
+            <a:r>
+              <a:rPr kumimoji="1" lang="en-US" altLang="ja-JP" dirty="0"/>
+              <a:t>STL</a:t>
+            </a:r>
+            <a:r>
+              <a:rPr kumimoji="1" lang="ja-JP" altLang="en-US" dirty="0"/>
+              <a:t>分析</a:t>
+            </a:r>
           </a:p>
         </p:txBody>
       </p:sp>
@@ -6311,7 +6359,7 @@
         </p:blipFill>
         <p:spPr>
           <a:xfrm>
-            <a:off x="7474849" y="1859038"/>
+            <a:off x="430581" y="1859037"/>
             <a:ext cx="4336152" cy="3676959"/>
           </a:xfrm>
           <a:prstGeom prst="rect">
@@ -6333,8 +6381,8 @@
         </p:nvSpPr>
         <p:spPr>
           <a:xfrm>
-            <a:off x="331417" y="2107806"/>
-            <a:ext cx="7093850" cy="3108543"/>
+            <a:off x="5050995" y="2045274"/>
+            <a:ext cx="6663269" cy="3108543"/>
           </a:xfrm>
           <a:prstGeom prst="rect">
             <a:avLst/>
@@ -6469,7 +6517,7 @@
         </p:nvSpPr>
         <p:spPr>
           <a:xfrm>
-            <a:off x="10742982" y="3697517"/>
+            <a:off x="3649132" y="3599546"/>
             <a:ext cx="1117601" cy="838199"/>
           </a:xfrm>
           <a:prstGeom prst="ellipse">
@@ -6521,7 +6569,7 @@
         </p:nvSpPr>
         <p:spPr>
           <a:xfrm>
-            <a:off x="7474849" y="5666805"/>
+            <a:off x="555767" y="5568716"/>
             <a:ext cx="4085780" cy="369332"/>
           </a:xfrm>
           <a:prstGeom prst="rect">
@@ -6666,7 +6714,7 @@
         </p:blipFill>
         <p:spPr>
           <a:xfrm>
-            <a:off x="6718276" y="1839685"/>
+            <a:off x="404562" y="1894114"/>
             <a:ext cx="5212475" cy="3755571"/>
           </a:xfrm>
           <a:prstGeom prst="rect">
@@ -6688,8 +6736,8 @@
         </p:nvSpPr>
         <p:spPr>
           <a:xfrm>
-            <a:off x="261249" y="2070865"/>
-            <a:ext cx="6368135" cy="3293209"/>
+            <a:off x="5750687" y="2070866"/>
+            <a:ext cx="5918800" cy="3600986"/>
           </a:xfrm>
           <a:prstGeom prst="rect">
             <a:avLst/>
@@ -6828,7 +6876,7 @@
         </p:nvSpPr>
         <p:spPr>
           <a:xfrm>
-            <a:off x="6718276" y="5787796"/>
+            <a:off x="491647" y="5787796"/>
             <a:ext cx="5400545" cy="369332"/>
           </a:xfrm>
           <a:prstGeom prst="rect">
@@ -8071,7 +8119,7 @@
         </p:nvSpPr>
         <p:spPr>
           <a:xfrm>
-            <a:off x="427637" y="1874411"/>
+            <a:off x="6706070" y="1813975"/>
             <a:ext cx="4568907" cy="1661993"/>
           </a:xfrm>
           <a:prstGeom prst="round2DiagRect">
@@ -8177,7 +8225,7 @@
         </p:blipFill>
         <p:spPr>
           <a:xfrm>
-            <a:off x="6074408" y="1867041"/>
+            <a:off x="451560" y="1778864"/>
             <a:ext cx="5602870" cy="3984113"/>
           </a:xfrm>
           <a:prstGeom prst="rect">
@@ -8199,7 +8247,7 @@
         </p:nvSpPr>
         <p:spPr>
           <a:xfrm>
-            <a:off x="514722" y="2000012"/>
+            <a:off x="6802724" y="1998640"/>
             <a:ext cx="4812632" cy="1292662"/>
           </a:xfrm>
           <a:prstGeom prst="rect">
@@ -8279,7 +8327,7 @@
         </p:nvSpPr>
         <p:spPr>
           <a:xfrm>
-            <a:off x="427637" y="3859097"/>
+            <a:off x="6706070" y="3770920"/>
             <a:ext cx="5499831" cy="1785104"/>
           </a:xfrm>
           <a:prstGeom prst="rect">
@@ -8339,7 +8387,7 @@
         </p:nvSpPr>
         <p:spPr>
           <a:xfrm>
-            <a:off x="6074408" y="5851154"/>
+            <a:off x="451560" y="5851153"/>
             <a:ext cx="5354864" cy="370115"/>
           </a:xfrm>
           <a:prstGeom prst="rect">

--- a/submissions/slides/株価予測(プレゼン資料).pptx
+++ b/submissions/slides/株価予測(プレゼン資料).pptx
@@ -5716,7 +5716,7 @@
             </a:r>
             <a:r>
               <a:rPr kumimoji="1" lang="ja-JP" altLang="en-US" b="1" dirty="0"/>
-              <a:t>の株価</a:t>
+              <a:t>の株価の終値</a:t>
             </a:r>
             <a:r>
               <a:rPr kumimoji="1" lang="en-US" altLang="ja-JP" b="1" dirty="0"/>
@@ -6110,7 +6110,7 @@
         </p:nvSpPr>
         <p:spPr>
           <a:xfrm>
-            <a:off x="9054319" y="2032454"/>
+            <a:off x="9054319" y="2353606"/>
             <a:ext cx="3413453" cy="830997"/>
           </a:xfrm>
           <a:prstGeom prst="rect">
@@ -6184,7 +6184,7 @@
         </p:nvSpPr>
         <p:spPr>
           <a:xfrm>
-            <a:off x="9054319" y="3109463"/>
+            <a:off x="9032545" y="3266932"/>
             <a:ext cx="2975303" cy="1323439"/>
           </a:xfrm>
           <a:prstGeom prst="rect">
@@ -6235,7 +6235,7 @@
         </p:nvSpPr>
         <p:spPr>
           <a:xfrm>
-            <a:off x="9054319" y="4627509"/>
+            <a:off x="9054319" y="4682105"/>
             <a:ext cx="3041037" cy="861774"/>
           </a:xfrm>
           <a:prstGeom prst="rect">
@@ -6260,6 +6260,45 @@
             <a:r>
               <a:rPr kumimoji="1" lang="ja-JP" altLang="en-US" sz="1600" dirty="0"/>
               <a:t>年以降のデータからモデル作成を検討した。</a:t>
+            </a:r>
+          </a:p>
+        </p:txBody>
+      </p:sp>
+      <p:sp>
+        <p:nvSpPr>
+          <p:cNvPr id="3" name="テキスト ボックス 2">
+            <a:extLst>
+              <a:ext uri="{FF2B5EF4-FFF2-40B4-BE49-F238E27FC236}">
+                <a16:creationId xmlns:a16="http://schemas.microsoft.com/office/drawing/2014/main" id="{DA2D4F70-7AB4-BB7E-2BA0-689289CDD582}"/>
+              </a:ext>
+            </a:extLst>
+          </p:cNvPr>
+          <p:cNvSpPr txBox="1"/>
+          <p:nvPr/>
+        </p:nvSpPr>
+        <p:spPr>
+          <a:xfrm>
+            <a:off x="9032546" y="1800644"/>
+            <a:ext cx="2975303" cy="461665"/>
+          </a:xfrm>
+          <a:prstGeom prst="rect">
+            <a:avLst/>
+          </a:prstGeom>
+          <a:noFill/>
+        </p:spPr>
+        <p:txBody>
+          <a:bodyPr wrap="square" rtlCol="0">
+            <a:spAutoFit/>
+          </a:bodyPr>
+          <a:lstStyle/>
+          <a:p>
+            <a:r>
+              <a:rPr kumimoji="1" lang="en-US" altLang="ja-JP" sz="2400" b="1" dirty="0"/>
+              <a:t>NTT</a:t>
+            </a:r>
+            <a:r>
+              <a:rPr kumimoji="1" lang="ja-JP" altLang="en-US" sz="2400" b="1" dirty="0"/>
+              <a:t>株の終値の分析</a:t>
             </a:r>
           </a:p>
         </p:txBody>
@@ -6589,7 +6628,11 @@
             </a:r>
             <a:r>
               <a:rPr kumimoji="1" lang="ja-JP" altLang="en-US" dirty="0"/>
-              <a:t>年からの株価</a:t>
+              <a:t>年からの</a:t>
+            </a:r>
+            <a:r>
+              <a:rPr lang="ja-JP" altLang="en-US" dirty="0"/>
+              <a:t>終値</a:t>
             </a:r>
             <a:r>
               <a:rPr kumimoji="1" lang="en-US" altLang="ja-JP" dirty="0"/>
@@ -6896,7 +6939,7 @@
             </a:r>
             <a:r>
               <a:rPr kumimoji="1" lang="ja-JP" altLang="en-US" dirty="0"/>
-              <a:t>年からの株価</a:t>
+              <a:t>年からの終値</a:t>
             </a:r>
             <a:r>
               <a:rPr kumimoji="1" lang="en-US" altLang="ja-JP" dirty="0"/>
